--- a/SQL.pptx
+++ b/SQL.pptx
@@ -631,7 +631,7 @@
           <a:p>
             <a:fld id="{48A87A34-81AB-432B-8DAE-1953F412C126}" type="datetimeFigureOut">
               <a:rPr lang="en-US" smtClean="0"/>
-              <a:t>1/19/2021</a:t>
+              <a:t>1/20/2021</a:t>
             </a:fld>
             <a:endParaRPr lang="en-US" dirty="0"/>
           </a:p>
@@ -928,7 +928,7 @@
             <a:fld id="{48A87A34-81AB-432B-8DAE-1953F412C126}" type="datetimeFigureOut">
               <a:rPr lang="en-US" smtClean="0"/>
               <a:pPr/>
-              <a:t>1/19/2021</a:t>
+              <a:t>1/20/2021</a:t>
             </a:fld>
             <a:endParaRPr lang="en-US" dirty="0"/>
           </a:p>
@@ -1178,7 +1178,7 @@
             <a:fld id="{48A87A34-81AB-432B-8DAE-1953F412C126}" type="datetimeFigureOut">
               <a:rPr lang="en-US" smtClean="0"/>
               <a:pPr/>
-              <a:t>1/19/2021</a:t>
+              <a:t>1/20/2021</a:t>
             </a:fld>
             <a:endParaRPr lang="en-US" dirty="0"/>
           </a:p>
@@ -1720,7 +1720,7 @@
             <a:fld id="{48A87A34-81AB-432B-8DAE-1953F412C126}" type="datetimeFigureOut">
               <a:rPr lang="en-US" smtClean="0"/>
               <a:pPr/>
-              <a:t>1/19/2021</a:t>
+              <a:t>1/20/2021</a:t>
             </a:fld>
             <a:endParaRPr lang="en-US" dirty="0"/>
           </a:p>
@@ -1970,7 +1970,7 @@
             <a:fld id="{48A87A34-81AB-432B-8DAE-1953F412C126}" type="datetimeFigureOut">
               <a:rPr lang="en-US" smtClean="0"/>
               <a:pPr/>
-              <a:t>1/19/2021</a:t>
+              <a:t>1/20/2021</a:t>
             </a:fld>
             <a:endParaRPr lang="en-US" dirty="0"/>
           </a:p>
@@ -2504,7 +2504,7 @@
             <a:fld id="{48A87A34-81AB-432B-8DAE-1953F412C126}" type="datetimeFigureOut">
               <a:rPr lang="en-US" smtClean="0"/>
               <a:pPr/>
-              <a:t>1/19/2021</a:t>
+              <a:t>1/20/2021</a:t>
             </a:fld>
             <a:endParaRPr lang="en-US" dirty="0"/>
           </a:p>
@@ -2803,7 +2803,7 @@
             <a:fld id="{48A87A34-81AB-432B-8DAE-1953F412C126}" type="datetimeFigureOut">
               <a:rPr lang="en-US" smtClean="0"/>
               <a:pPr/>
-              <a:t>1/19/2021</a:t>
+              <a:t>1/20/2021</a:t>
             </a:fld>
             <a:endParaRPr lang="en-US" dirty="0"/>
           </a:p>
@@ -2978,7 +2978,7 @@
           <a:p>
             <a:fld id="{48A87A34-81AB-432B-8DAE-1953F412C126}" type="datetimeFigureOut">
               <a:rPr lang="en-US" smtClean="0"/>
-              <a:t>1/19/2021</a:t>
+              <a:t>1/20/2021</a:t>
             </a:fld>
             <a:endParaRPr lang="en-US" dirty="0"/>
           </a:p>
@@ -3158,7 +3158,7 @@
           <a:p>
             <a:fld id="{48A87A34-81AB-432B-8DAE-1953F412C126}" type="datetimeFigureOut">
               <a:rPr lang="en-US" smtClean="0"/>
-              <a:t>1/19/2021</a:t>
+              <a:t>1/20/2021</a:t>
             </a:fld>
             <a:endParaRPr lang="en-US" dirty="0"/>
           </a:p>
@@ -3328,7 +3328,7 @@
           <a:p>
             <a:fld id="{48A87A34-81AB-432B-8DAE-1953F412C126}" type="datetimeFigureOut">
               <a:rPr lang="en-US" smtClean="0"/>
-              <a:t>1/19/2021</a:t>
+              <a:t>1/20/2021</a:t>
             </a:fld>
             <a:endParaRPr lang="en-US" dirty="0"/>
           </a:p>
@@ -3579,7 +3579,7 @@
           <a:p>
             <a:fld id="{48A87A34-81AB-432B-8DAE-1953F412C126}" type="datetimeFigureOut">
               <a:rPr lang="en-US" smtClean="0"/>
-              <a:t>1/19/2021</a:t>
+              <a:t>1/20/2021</a:t>
             </a:fld>
             <a:endParaRPr lang="en-US" dirty="0"/>
           </a:p>
@@ -3876,7 +3876,7 @@
           <a:p>
             <a:fld id="{48A87A34-81AB-432B-8DAE-1953F412C126}" type="datetimeFigureOut">
               <a:rPr lang="en-US" smtClean="0"/>
-              <a:t>1/19/2021</a:t>
+              <a:t>1/20/2021</a:t>
             </a:fld>
             <a:endParaRPr lang="en-US" dirty="0"/>
           </a:p>
@@ -4318,7 +4318,7 @@
           <a:p>
             <a:fld id="{48A87A34-81AB-432B-8DAE-1953F412C126}" type="datetimeFigureOut">
               <a:rPr lang="en-US" smtClean="0"/>
-              <a:t>1/19/2021</a:t>
+              <a:t>1/20/2021</a:t>
             </a:fld>
             <a:endParaRPr lang="en-US" dirty="0"/>
           </a:p>
@@ -4436,7 +4436,7 @@
           <a:p>
             <a:fld id="{48A87A34-81AB-432B-8DAE-1953F412C126}" type="datetimeFigureOut">
               <a:rPr lang="en-US" smtClean="0"/>
-              <a:t>1/19/2021</a:t>
+              <a:t>1/20/2021</a:t>
             </a:fld>
             <a:endParaRPr lang="en-US" dirty="0"/>
           </a:p>
@@ -4531,7 +4531,7 @@
           <a:p>
             <a:fld id="{48A87A34-81AB-432B-8DAE-1953F412C126}" type="datetimeFigureOut">
               <a:rPr lang="en-US" smtClean="0"/>
-              <a:t>1/19/2021</a:t>
+              <a:t>1/20/2021</a:t>
             </a:fld>
             <a:endParaRPr lang="en-US" dirty="0"/>
           </a:p>
@@ -4814,7 +4814,7 @@
           <a:p>
             <a:fld id="{48A87A34-81AB-432B-8DAE-1953F412C126}" type="datetimeFigureOut">
               <a:rPr lang="en-US" smtClean="0"/>
-              <a:t>1/19/2021</a:t>
+              <a:t>1/20/2021</a:t>
             </a:fld>
             <a:endParaRPr lang="en-US" dirty="0"/>
           </a:p>
@@ -5106,7 +5106,7 @@
             <a:fld id="{48A87A34-81AB-432B-8DAE-1953F412C126}" type="datetimeFigureOut">
               <a:rPr lang="en-US" smtClean="0"/>
               <a:pPr/>
-              <a:t>1/19/2021</a:t>
+              <a:t>1/20/2021</a:t>
             </a:fld>
             <a:endParaRPr lang="en-US" dirty="0"/>
           </a:p>
@@ -5637,7 +5637,7 @@
             <a:fld id="{48A87A34-81AB-432B-8DAE-1953F412C126}" type="datetimeFigureOut">
               <a:rPr lang="en-US" smtClean="0"/>
               <a:pPr/>
-              <a:t>1/19/2021</a:t>
+              <a:t>1/20/2021</a:t>
             </a:fld>
             <a:endParaRPr lang="en-US" dirty="0"/>
           </a:p>
@@ -7545,8 +7545,8 @@
               <a:t>PSQL – Naming </a:t>
             </a:r>
             <a:r>
-              <a:rPr lang="en-US" dirty="0" err="1"/>
-              <a:t>COlumns</a:t>
+              <a:rPr lang="en-US" dirty="0" smtClean="0"/>
+              <a:t>Columns</a:t>
             </a:r>
             <a:endParaRPr lang="en-US" dirty="0"/>
           </a:p>
